--- a/Module 4 Deliverables/Report/CS_633_Zac3_term_project_report_module4.pptx
+++ b/Module 4 Deliverables/Report/CS_633_Zac3_term_project_report_module4.pptx
@@ -127,7 +127,7 @@
   </p:defaultTextStyle>
   <p:extLst>
     <p:ext uri="{EFAFB233-063F-42B5-8137-9DF3F51BA10A}">
-      <p15:sldGuideLst xmlns="" xmlns:p15="http://schemas.microsoft.com/office/powerpoint/2012/main">
+      <p15:sldGuideLst xmlns:p15="http://schemas.microsoft.com/office/powerpoint/2012/main" xmlns="">
         <p15:guide id="1" orient="horz" pos="1620">
           <p15:clr>
             <a:srgbClr val="A4A3A4"/>
@@ -4858,7 +4858,7 @@
             <p:ph sz="quarter" idx="1"/>
             <p:extLst>
               <p:ext uri="{D42A27DB-BD31-4B8C-83A1-F6EECF244321}">
-                <p14:modId xmlns:p14="http://schemas.microsoft.com/office/powerpoint/2010/main" val="2801290930"/>
+                <p14:modId xmlns:p14="http://schemas.microsoft.com/office/powerpoint/2010/main" val="822533922"/>
               </p:ext>
             </p:extLst>
           </p:nvPr>
@@ -4877,42 +4877,42 @@
                 <a:gridCol w="599799">
                   <a:extLst>
                     <a:ext uri="{9D8B030D-6E8A-4147-A177-3AD203B41FA5}">
-                      <a16:colId xmlns="" xmlns:a16="http://schemas.microsoft.com/office/drawing/2014/main" val="20000"/>
+                      <a16:colId xmlns:a16="http://schemas.microsoft.com/office/drawing/2014/main" xmlns="" val="20000"/>
                     </a:ext>
                   </a:extLst>
                 </a:gridCol>
                 <a:gridCol w="2574235">
                   <a:extLst>
                     <a:ext uri="{9D8B030D-6E8A-4147-A177-3AD203B41FA5}">
-                      <a16:colId xmlns="" xmlns:a16="http://schemas.microsoft.com/office/drawing/2014/main" val="20001"/>
+                      <a16:colId xmlns:a16="http://schemas.microsoft.com/office/drawing/2014/main" xmlns="" val="20001"/>
                     </a:ext>
                   </a:extLst>
                 </a:gridCol>
                 <a:gridCol w="881007">
                   <a:extLst>
                     <a:ext uri="{9D8B030D-6E8A-4147-A177-3AD203B41FA5}">
-                      <a16:colId xmlns="" xmlns:a16="http://schemas.microsoft.com/office/drawing/2014/main" val="20002"/>
+                      <a16:colId xmlns:a16="http://schemas.microsoft.com/office/drawing/2014/main" xmlns="" val="20002"/>
                     </a:ext>
                   </a:extLst>
                 </a:gridCol>
                 <a:gridCol w="1029665">
                   <a:extLst>
                     <a:ext uri="{9D8B030D-6E8A-4147-A177-3AD203B41FA5}">
-                      <a16:colId xmlns="" xmlns:a16="http://schemas.microsoft.com/office/drawing/2014/main" val="20003"/>
+                      <a16:colId xmlns:a16="http://schemas.microsoft.com/office/drawing/2014/main" xmlns="" val="20003"/>
                     </a:ext>
                   </a:extLst>
                 </a:gridCol>
                 <a:gridCol w="1709794">
                   <a:extLst>
                     <a:ext uri="{9D8B030D-6E8A-4147-A177-3AD203B41FA5}">
-                      <a16:colId xmlns="" xmlns:a16="http://schemas.microsoft.com/office/drawing/2014/main" val="20004"/>
+                      <a16:colId xmlns:a16="http://schemas.microsoft.com/office/drawing/2014/main" xmlns="" val="20004"/>
                     </a:ext>
                   </a:extLst>
                 </a:gridCol>
                 <a:gridCol w="1358900">
                   <a:extLst>
                     <a:ext uri="{9D8B030D-6E8A-4147-A177-3AD203B41FA5}">
-                      <a16:colId xmlns="" xmlns:a16="http://schemas.microsoft.com/office/drawing/2014/main" val="20005"/>
+                      <a16:colId xmlns:a16="http://schemas.microsoft.com/office/drawing/2014/main" xmlns="" val="20005"/>
                     </a:ext>
                   </a:extLst>
                 </a:gridCol>
@@ -5101,7 +5101,7 @@
                 </a:tc>
                 <a:extLst>
                   <a:ext uri="{0D108BD9-81ED-4DB2-BD59-A6C34878D82A}">
-                    <a16:rowId xmlns="" xmlns:a16="http://schemas.microsoft.com/office/drawing/2014/main" val="10000"/>
+                    <a16:rowId xmlns:a16="http://schemas.microsoft.com/office/drawing/2014/main" xmlns="" val="10000"/>
                   </a:ext>
                 </a:extLst>
               </a:tr>
@@ -5307,7 +5307,7 @@
                 </a:tc>
                 <a:extLst>
                   <a:ext uri="{0D108BD9-81ED-4DB2-BD59-A6C34878D82A}">
-                    <a16:rowId xmlns="" xmlns:a16="http://schemas.microsoft.com/office/drawing/2014/main" val="10001"/>
+                    <a16:rowId xmlns:a16="http://schemas.microsoft.com/office/drawing/2014/main" xmlns="" val="10001"/>
                   </a:ext>
                 </a:extLst>
               </a:tr>
@@ -5513,7 +5513,7 @@
                 </a:tc>
                 <a:extLst>
                   <a:ext uri="{0D108BD9-81ED-4DB2-BD59-A6C34878D82A}">
-                    <a16:rowId xmlns="" xmlns:a16="http://schemas.microsoft.com/office/drawing/2014/main" val="10002"/>
+                    <a16:rowId xmlns:a16="http://schemas.microsoft.com/office/drawing/2014/main" xmlns="" val="10002"/>
                   </a:ext>
                 </a:extLst>
               </a:tr>
@@ -5729,7 +5729,7 @@
                 </a:tc>
                 <a:extLst>
                   <a:ext uri="{0D108BD9-81ED-4DB2-BD59-A6C34878D82A}">
-                    <a16:rowId xmlns="" xmlns:a16="http://schemas.microsoft.com/office/drawing/2014/main" val="10003"/>
+                    <a16:rowId xmlns:a16="http://schemas.microsoft.com/office/drawing/2014/main" xmlns="" val="10003"/>
                   </a:ext>
                 </a:extLst>
               </a:tr>
@@ -5837,224 +5837,6 @@
                         <a:rPr lang="en-US" sz="1200" dirty="0"/>
                         <a:t>2018-02-06</a:t>
                       </a:r>
-                    </a:p>
-                  </a:txBody>
-                  <a:tcPr marT="18288" marB="18288">
-                    <a:lnL w="19050" cap="flat" cmpd="sng" algn="ctr">
-                      <a:solidFill>
-                        <a:srgbClr val="775F55"/>
-                      </a:solidFill>
-                      <a:prstDash val="solid"/>
-                      <a:round/>
-                      <a:headEnd type="none" w="med" len="med"/>
-                      <a:tailEnd type="none" w="med" len="med"/>
-                    </a:lnL>
-                    <a:lnR w="19050" cap="flat" cmpd="sng" algn="ctr">
-                      <a:solidFill>
-                        <a:srgbClr val="775F55"/>
-                      </a:solidFill>
-                      <a:prstDash val="solid"/>
-                      <a:round/>
-                      <a:headEnd type="none" w="med" len="med"/>
-                      <a:tailEnd type="none" w="med" len="med"/>
-                    </a:lnR>
-                  </a:tcPr>
-                </a:tc>
-                <a:tc>
-                  <a:txBody>
-                    <a:bodyPr/>
-                    <a:lstStyle/>
-                    <a:p>
-                      <a:r>
-                        <a:rPr lang="en-US" sz="1200" dirty="0"/>
-                        <a:t>Patty</a:t>
-                      </a:r>
-                      <a:r>
-                        <a:rPr lang="en-US" sz="1200" baseline="0" dirty="0"/>
-                        <a:t> Thrall</a:t>
-                      </a:r>
-                      <a:endParaRPr lang="en-US" sz="1200" dirty="0"/>
-                    </a:p>
-                  </a:txBody>
-                  <a:tcPr marT="18288" marB="18288">
-                    <a:lnL w="19050" cap="flat" cmpd="sng" algn="ctr">
-                      <a:solidFill>
-                        <a:srgbClr val="775F55"/>
-                      </a:solidFill>
-                      <a:prstDash val="solid"/>
-                      <a:round/>
-                      <a:headEnd type="none" w="med" len="med"/>
-                      <a:tailEnd type="none" w="med" len="med"/>
-                    </a:lnL>
-                    <a:lnR w="19050" cap="flat" cmpd="sng" algn="ctr">
-                      <a:solidFill>
-                        <a:srgbClr val="775F55"/>
-                      </a:solidFill>
-                      <a:prstDash val="solid"/>
-                      <a:round/>
-                      <a:headEnd type="none" w="med" len="med"/>
-                      <a:tailEnd type="none" w="med" len="med"/>
-                    </a:lnR>
-                  </a:tcPr>
-                </a:tc>
-                <a:tc>
-                  <a:txBody>
-                    <a:bodyPr/>
-                    <a:lstStyle/>
-                    <a:p>
-                      <a:pPr indent="0" algn="l" fontAlgn="ctr">
-                        <a:lnSpc>
-                          <a:spcPct val="100000"/>
-                        </a:lnSpc>
-                        <a:spcBef>
-                          <a:spcPts val="0"/>
-                        </a:spcBef>
-                        <a:spcAft>
-                          <a:spcPts val="0"/>
-                        </a:spcAft>
-                      </a:pPr>
-                      <a:r>
-                        <a:rPr lang="en-US" sz="1200" u="none" strike="noStrike" normalizeH="0" baseline="0" dirty="0" err="1">
-                          <a:effectLst/>
-                          <a:latin typeface="+mn-lt"/>
-                          <a:hlinkClick r:id="rId5" invalidUrl="https://github.com/gvaccaro21/CS633---Term-Project/blob/master/Module 3 Deliverables/CS633_Mod3_Term_Project_Group4_Section3_Estimation_Record.xlsx"/>
-                        </a:rPr>
-                        <a:t>GitHub</a:t>
-                      </a:r>
-                      <a:endParaRPr lang="en-US" sz="1200" b="0" i="0" u="none" strike="noStrike" normalizeH="0" baseline="0" dirty="0">
-                        <a:solidFill>
-                          <a:schemeClr val="tx1"/>
-                        </a:solidFill>
-                        <a:effectLst/>
-                        <a:latin typeface="+mn-lt"/>
-                        <a:cs typeface="Calibri"/>
-                      </a:endParaRPr>
-                    </a:p>
-                  </a:txBody>
-                  <a:tcPr marL="89267" marR="89267" marT="0" marB="0" anchor="b">
-                    <a:lnL w="19050" cap="flat" cmpd="sng" algn="ctr">
-                      <a:solidFill>
-                        <a:srgbClr val="775F55"/>
-                      </a:solidFill>
-                      <a:prstDash val="solid"/>
-                      <a:round/>
-                      <a:headEnd type="none" w="med" len="med"/>
-                      <a:tailEnd type="none" w="med" len="med"/>
-                    </a:lnL>
-                  </a:tcPr>
-                </a:tc>
-                <a:extLst>
-                  <a:ext uri="{0D108BD9-81ED-4DB2-BD59-A6C34878D82A}">
-                    <a16:rowId xmlns="" xmlns:a16="http://schemas.microsoft.com/office/drawing/2014/main" val="10004"/>
-                  </a:ext>
-                </a:extLst>
-              </a:tr>
-              <a:tr h="258398">
-                <a:tc>
-                  <a:txBody>
-                    <a:bodyPr/>
-                    <a:lstStyle/>
-                    <a:p>
-                      <a:r>
-                        <a:rPr lang="en-US" sz="1200" dirty="0"/>
-                        <a:t>5</a:t>
-                      </a:r>
-                    </a:p>
-                  </a:txBody>
-                  <a:tcPr marT="18288" marB="18288">
-                    <a:lnR w="19050" cap="flat" cmpd="sng" algn="ctr">
-                      <a:solidFill>
-                        <a:srgbClr val="775F55"/>
-                      </a:solidFill>
-                      <a:prstDash val="solid"/>
-                      <a:round/>
-                      <a:headEnd type="none" w="med" len="med"/>
-                      <a:tailEnd type="none" w="med" len="med"/>
-                    </a:lnR>
-                  </a:tcPr>
-                </a:tc>
-                <a:tc>
-                  <a:txBody>
-                    <a:bodyPr/>
-                    <a:lstStyle/>
-                    <a:p>
-                      <a:r>
-                        <a:rPr lang="en-US" sz="1200" dirty="0"/>
-                        <a:t>Definition</a:t>
-                      </a:r>
-                      <a:r>
-                        <a:rPr lang="en-US" sz="1200" baseline="0" dirty="0"/>
-                        <a:t> of Use Cases</a:t>
-                      </a:r>
-                      <a:endParaRPr lang="en-US" sz="1200" dirty="0"/>
-                    </a:p>
-                  </a:txBody>
-                  <a:tcPr marT="18288" marB="18288">
-                    <a:lnL w="19050" cap="flat" cmpd="sng" algn="ctr">
-                      <a:solidFill>
-                        <a:srgbClr val="775F55"/>
-                      </a:solidFill>
-                      <a:prstDash val="solid"/>
-                      <a:round/>
-                      <a:headEnd type="none" w="med" len="med"/>
-                      <a:tailEnd type="none" w="med" len="med"/>
-                    </a:lnL>
-                    <a:lnR w="19050" cap="flat" cmpd="sng" algn="ctr">
-                      <a:solidFill>
-                        <a:srgbClr val="775F55"/>
-                      </a:solidFill>
-                      <a:prstDash val="solid"/>
-                      <a:round/>
-                      <a:headEnd type="none" w="med" len="med"/>
-                      <a:tailEnd type="none" w="med" len="med"/>
-                    </a:lnR>
-                  </a:tcPr>
-                </a:tc>
-                <a:tc>
-                  <a:txBody>
-                    <a:bodyPr/>
-                    <a:lstStyle/>
-                    <a:p>
-                      <a:pPr algn="ctr"/>
-                      <a:r>
-                        <a:rPr lang="en-US" sz="1200" dirty="0" smtClean="0"/>
-                        <a:t>1.0</a:t>
-                      </a:r>
-                      <a:endParaRPr lang="en-US" sz="1200" dirty="0"/>
-                    </a:p>
-                  </a:txBody>
-                  <a:tcPr marT="18288" marB="18288">
-                    <a:lnL w="19050" cap="flat" cmpd="sng" algn="ctr">
-                      <a:solidFill>
-                        <a:srgbClr val="775F55"/>
-                      </a:solidFill>
-                      <a:prstDash val="solid"/>
-                      <a:round/>
-                      <a:headEnd type="none" w="med" len="med"/>
-                      <a:tailEnd type="none" w="med" len="med"/>
-                    </a:lnL>
-                    <a:lnR w="19050" cap="flat" cmpd="sng" algn="ctr">
-                      <a:solidFill>
-                        <a:srgbClr val="775F55"/>
-                      </a:solidFill>
-                      <a:prstDash val="solid"/>
-                      <a:round/>
-                      <a:headEnd type="none" w="med" len="med"/>
-                      <a:tailEnd type="none" w="med" len="med"/>
-                    </a:lnR>
-                  </a:tcPr>
-                </a:tc>
-                <a:tc>
-                  <a:txBody>
-                    <a:bodyPr/>
-                    <a:lstStyle/>
-                    <a:p>
-                      <a:pPr algn="ctr"/>
-                      <a:r>
-                        <a:rPr lang="en-US" sz="1200" dirty="0" smtClean="0"/>
-                        <a:t>2018-02-12</a:t>
-                      </a:r>
-                      <a:endParaRPr lang="en-US" sz="1200" dirty="0"/>
                     </a:p>
                   </a:txBody>
                   <a:tcPr marT="18288" marB="18288">
@@ -6113,9 +5895,10 @@
                         <a:t> &amp; G. </a:t>
                       </a:r>
                       <a:r>
-                        <a:rPr lang="en-US" sz="1200" dirty="0"/>
+                        <a:rPr lang="en-US" sz="1200" dirty="0" err="1" smtClean="0"/>
                         <a:t>Rua</a:t>
                       </a:r>
+                      <a:endParaRPr lang="en-US" sz="1200" dirty="0"/>
                     </a:p>
                   </a:txBody>
                   <a:tcPr marT="18288" marB="18288">
@@ -6159,7 +5942,7 @@
                         <a:rPr lang="en-US" sz="1200" u="none" strike="noStrike" normalizeH="0" baseline="0" dirty="0" err="1">
                           <a:effectLst/>
                           <a:latin typeface="+mn-lt"/>
-                          <a:hlinkClick r:id="rId6"/>
+                          <a:hlinkClick r:id="rId5" invalidUrl="https://github.com/gvaccaro21/CS633---Term-Project/blob/master/Module 3 Deliverables/CS633_Mod3_Term_Project_Group4_Section3_Estimation_Record.xlsx"/>
                         </a:rPr>
                         <a:t>GitHub</a:t>
                       </a:r>
@@ -6187,7 +5970,249 @@
                 </a:tc>
                 <a:extLst>
                   <a:ext uri="{0D108BD9-81ED-4DB2-BD59-A6C34878D82A}">
-                    <a16:rowId xmlns="" xmlns:a16="http://schemas.microsoft.com/office/drawing/2014/main" val="10005"/>
+                    <a16:rowId xmlns:a16="http://schemas.microsoft.com/office/drawing/2014/main" xmlns="" val="10004"/>
+                  </a:ext>
+                </a:extLst>
+              </a:tr>
+              <a:tr h="258398">
+                <a:tc>
+                  <a:txBody>
+                    <a:bodyPr/>
+                    <a:lstStyle/>
+                    <a:p>
+                      <a:r>
+                        <a:rPr lang="en-US" sz="1200" dirty="0"/>
+                        <a:t>5</a:t>
+                      </a:r>
+                    </a:p>
+                  </a:txBody>
+                  <a:tcPr marT="18288" marB="18288">
+                    <a:lnR w="19050" cap="flat" cmpd="sng" algn="ctr">
+                      <a:solidFill>
+                        <a:srgbClr val="775F55"/>
+                      </a:solidFill>
+                      <a:prstDash val="solid"/>
+                      <a:round/>
+                      <a:headEnd type="none" w="med" len="med"/>
+                      <a:tailEnd type="none" w="med" len="med"/>
+                    </a:lnR>
+                  </a:tcPr>
+                </a:tc>
+                <a:tc>
+                  <a:txBody>
+                    <a:bodyPr/>
+                    <a:lstStyle/>
+                    <a:p>
+                      <a:r>
+                        <a:rPr lang="en-US" sz="1200" dirty="0"/>
+                        <a:t>Definition</a:t>
+                      </a:r>
+                      <a:r>
+                        <a:rPr lang="en-US" sz="1200" baseline="0" dirty="0"/>
+                        <a:t> of Use Cases</a:t>
+                      </a:r>
+                      <a:endParaRPr lang="en-US" sz="1200" dirty="0"/>
+                    </a:p>
+                  </a:txBody>
+                  <a:tcPr marT="18288" marB="18288">
+                    <a:lnL w="19050" cap="flat" cmpd="sng" algn="ctr">
+                      <a:solidFill>
+                        <a:srgbClr val="775F55"/>
+                      </a:solidFill>
+                      <a:prstDash val="solid"/>
+                      <a:round/>
+                      <a:headEnd type="none" w="med" len="med"/>
+                      <a:tailEnd type="none" w="med" len="med"/>
+                    </a:lnL>
+                    <a:lnR w="19050" cap="flat" cmpd="sng" algn="ctr">
+                      <a:solidFill>
+                        <a:srgbClr val="775F55"/>
+                      </a:solidFill>
+                      <a:prstDash val="solid"/>
+                      <a:round/>
+                      <a:headEnd type="none" w="med" len="med"/>
+                      <a:tailEnd type="none" w="med" len="med"/>
+                    </a:lnR>
+                  </a:tcPr>
+                </a:tc>
+                <a:tc>
+                  <a:txBody>
+                    <a:bodyPr/>
+                    <a:lstStyle/>
+                    <a:p>
+                      <a:pPr algn="ctr"/>
+                      <a:r>
+                        <a:rPr lang="en-US" sz="1200" dirty="0" smtClean="0"/>
+                        <a:t>1.0</a:t>
+                      </a:r>
+                      <a:endParaRPr lang="en-US" sz="1200" dirty="0"/>
+                    </a:p>
+                  </a:txBody>
+                  <a:tcPr marT="18288" marB="18288">
+                    <a:lnL w="19050" cap="flat" cmpd="sng" algn="ctr">
+                      <a:solidFill>
+                        <a:srgbClr val="775F55"/>
+                      </a:solidFill>
+                      <a:prstDash val="solid"/>
+                      <a:round/>
+                      <a:headEnd type="none" w="med" len="med"/>
+                      <a:tailEnd type="none" w="med" len="med"/>
+                    </a:lnL>
+                    <a:lnR w="19050" cap="flat" cmpd="sng" algn="ctr">
+                      <a:solidFill>
+                        <a:srgbClr val="775F55"/>
+                      </a:solidFill>
+                      <a:prstDash val="solid"/>
+                      <a:round/>
+                      <a:headEnd type="none" w="med" len="med"/>
+                      <a:tailEnd type="none" w="med" len="med"/>
+                    </a:lnR>
+                  </a:tcPr>
+                </a:tc>
+                <a:tc>
+                  <a:txBody>
+                    <a:bodyPr/>
+                    <a:lstStyle/>
+                    <a:p>
+                      <a:pPr algn="ctr"/>
+                      <a:r>
+                        <a:rPr lang="en-US" sz="1200" dirty="0" smtClean="0"/>
+                        <a:t>2018-02-12</a:t>
+                      </a:r>
+                      <a:endParaRPr lang="en-US" sz="1200" dirty="0"/>
+                    </a:p>
+                  </a:txBody>
+                  <a:tcPr marT="18288" marB="18288">
+                    <a:lnL w="19050" cap="flat" cmpd="sng" algn="ctr">
+                      <a:solidFill>
+                        <a:srgbClr val="775F55"/>
+                      </a:solidFill>
+                      <a:prstDash val="solid"/>
+                      <a:round/>
+                      <a:headEnd type="none" w="med" len="med"/>
+                      <a:tailEnd type="none" w="med" len="med"/>
+                    </a:lnL>
+                    <a:lnR w="19050" cap="flat" cmpd="sng" algn="ctr">
+                      <a:solidFill>
+                        <a:srgbClr val="775F55"/>
+                      </a:solidFill>
+                      <a:prstDash val="solid"/>
+                      <a:round/>
+                      <a:headEnd type="none" w="med" len="med"/>
+                      <a:tailEnd type="none" w="med" len="med"/>
+                    </a:lnR>
+                  </a:tcPr>
+                </a:tc>
+                <a:tc>
+                  <a:txBody>
+                    <a:bodyPr/>
+                    <a:lstStyle/>
+                    <a:p>
+                      <a:pPr marL="0" marR="0" indent="0" algn="l" defTabSz="914400" rtl="0" eaLnBrk="1" fontAlgn="auto" latinLnBrk="0" hangingPunct="1">
+                        <a:lnSpc>
+                          <a:spcPct val="100000"/>
+                        </a:lnSpc>
+                        <a:spcBef>
+                          <a:spcPts val="0"/>
+                        </a:spcBef>
+                        <a:spcAft>
+                          <a:spcPts val="0"/>
+                        </a:spcAft>
+                        <a:buClrTx/>
+                        <a:buSzTx/>
+                        <a:buFontTx/>
+                        <a:buNone/>
+                        <a:tabLst/>
+                        <a:defRPr/>
+                      </a:pPr>
+                      <a:r>
+                        <a:rPr lang="en-US" sz="1200" dirty="0" smtClean="0"/>
+                        <a:t>P. </a:t>
+                      </a:r>
+                      <a:r>
+                        <a:rPr lang="en-US" sz="1200" baseline="0" dirty="0" smtClean="0"/>
+                        <a:t>Thrall</a:t>
+                      </a:r>
+                      <a:r>
+                        <a:rPr lang="en-US" sz="1200" dirty="0" smtClean="0"/>
+                        <a:t> &amp; G. </a:t>
+                      </a:r>
+                      <a:r>
+                        <a:rPr lang="en-US" sz="1200" dirty="0"/>
+                        <a:t>Rua</a:t>
+                      </a:r>
+                    </a:p>
+                  </a:txBody>
+                  <a:tcPr marT="18288" marB="18288">
+                    <a:lnL w="19050" cap="flat" cmpd="sng" algn="ctr">
+                      <a:solidFill>
+                        <a:srgbClr val="775F55"/>
+                      </a:solidFill>
+                      <a:prstDash val="solid"/>
+                      <a:round/>
+                      <a:headEnd type="none" w="med" len="med"/>
+                      <a:tailEnd type="none" w="med" len="med"/>
+                    </a:lnL>
+                    <a:lnR w="19050" cap="flat" cmpd="sng" algn="ctr">
+                      <a:solidFill>
+                        <a:srgbClr val="775F55"/>
+                      </a:solidFill>
+                      <a:prstDash val="solid"/>
+                      <a:round/>
+                      <a:headEnd type="none" w="med" len="med"/>
+                      <a:tailEnd type="none" w="med" len="med"/>
+                    </a:lnR>
+                  </a:tcPr>
+                </a:tc>
+                <a:tc>
+                  <a:txBody>
+                    <a:bodyPr/>
+                    <a:lstStyle/>
+                    <a:p>
+                      <a:pPr indent="0" algn="l" fontAlgn="ctr">
+                        <a:lnSpc>
+                          <a:spcPct val="100000"/>
+                        </a:lnSpc>
+                        <a:spcBef>
+                          <a:spcPts val="0"/>
+                        </a:spcBef>
+                        <a:spcAft>
+                          <a:spcPts val="0"/>
+                        </a:spcAft>
+                      </a:pPr>
+                      <a:r>
+                        <a:rPr lang="en-US" sz="1200" u="none" strike="noStrike" normalizeH="0" baseline="0" dirty="0" err="1">
+                          <a:effectLst/>
+                          <a:latin typeface="+mn-lt"/>
+                          <a:hlinkClick r:id="rId6"/>
+                        </a:rPr>
+                        <a:t>GitHub</a:t>
+                      </a:r>
+                      <a:endParaRPr lang="en-US" sz="1200" b="0" i="0" u="none" strike="noStrike" normalizeH="0" baseline="0" dirty="0">
+                        <a:solidFill>
+                          <a:schemeClr val="tx1"/>
+                        </a:solidFill>
+                        <a:effectLst/>
+                        <a:latin typeface="+mn-lt"/>
+                        <a:cs typeface="Calibri"/>
+                      </a:endParaRPr>
+                    </a:p>
+                  </a:txBody>
+                  <a:tcPr marL="89267" marR="89267" marT="0" marB="0" anchor="b">
+                    <a:lnL w="19050" cap="flat" cmpd="sng" algn="ctr">
+                      <a:solidFill>
+                        <a:srgbClr val="775F55"/>
+                      </a:solidFill>
+                      <a:prstDash val="solid"/>
+                      <a:round/>
+                      <a:headEnd type="none" w="med" len="med"/>
+                      <a:tailEnd type="none" w="med" len="med"/>
+                    </a:lnL>
+                  </a:tcPr>
+                </a:tc>
+                <a:extLst>
+                  <a:ext uri="{0D108BD9-81ED-4DB2-BD59-A6C34878D82A}">
+                    <a16:rowId xmlns:a16="http://schemas.microsoft.com/office/drawing/2014/main" xmlns="" val="10005"/>
                   </a:ext>
                 </a:extLst>
               </a:tr>
@@ -6402,6 +6427,7 @@
                         <a:rPr lang="en-US" sz="1200" u="none" strike="noStrike" normalizeH="0" baseline="0" dirty="0" err="1">
                           <a:effectLst/>
                           <a:latin typeface="+mn-lt"/>
+                          <a:hlinkClick r:id="rId7"/>
                         </a:rPr>
                         <a:t>GitHub</a:t>
                       </a:r>
@@ -6429,7 +6455,7 @@
                 </a:tc>
                 <a:extLst>
                   <a:ext uri="{0D108BD9-81ED-4DB2-BD59-A6C34878D82A}">
-                    <a16:rowId xmlns="" xmlns:a16="http://schemas.microsoft.com/office/drawing/2014/main" val="10006"/>
+                    <a16:rowId xmlns:a16="http://schemas.microsoft.com/office/drawing/2014/main" xmlns="" val="10006"/>
                   </a:ext>
                 </a:extLst>
               </a:tr>
@@ -6648,6 +6674,7 @@
                         <a:rPr lang="en-US" sz="1200" u="none" strike="noStrike" normalizeH="0" baseline="0" dirty="0" err="1">
                           <a:effectLst/>
                           <a:latin typeface="+mn-lt"/>
+                          <a:hlinkClick r:id="rId7"/>
                         </a:rPr>
                         <a:t>GitHub</a:t>
                       </a:r>
@@ -6675,7 +6702,7 @@
                 </a:tc>
                 <a:extLst>
                   <a:ext uri="{0D108BD9-81ED-4DB2-BD59-A6C34878D82A}">
-                    <a16:rowId xmlns="" xmlns:a16="http://schemas.microsoft.com/office/drawing/2014/main" val="10007"/>
+                    <a16:rowId xmlns:a16="http://schemas.microsoft.com/office/drawing/2014/main" xmlns="" val="10007"/>
                   </a:ext>
                 </a:extLst>
               </a:tr>
@@ -6917,7 +6944,7 @@
                 </a:tc>
                 <a:extLst>
                   <a:ext uri="{0D108BD9-81ED-4DB2-BD59-A6C34878D82A}">
-                    <a16:rowId xmlns="" xmlns:a16="http://schemas.microsoft.com/office/drawing/2014/main" val="10008"/>
+                    <a16:rowId xmlns:a16="http://schemas.microsoft.com/office/drawing/2014/main" xmlns="" val="10008"/>
                   </a:ext>
                 </a:extLst>
               </a:tr>
@@ -7184,7 +7211,7 @@
                 </a:tc>
                 <a:extLst>
                   <a:ext uri="{0D108BD9-81ED-4DB2-BD59-A6C34878D82A}">
-                    <a16:rowId xmlns="" xmlns:a16="http://schemas.microsoft.com/office/drawing/2014/main" val="10009"/>
+                    <a16:rowId xmlns:a16="http://schemas.microsoft.com/office/drawing/2014/main" xmlns="" val="10009"/>
                   </a:ext>
                 </a:extLst>
               </a:tr>
@@ -7429,7 +7456,7 @@
                 </a:tc>
                 <a:extLst>
                   <a:ext uri="{0D108BD9-81ED-4DB2-BD59-A6C34878D82A}">
-                    <a16:rowId xmlns="" xmlns:a16="http://schemas.microsoft.com/office/drawing/2014/main" val="10010"/>
+                    <a16:rowId xmlns:a16="http://schemas.microsoft.com/office/drawing/2014/main" xmlns="" val="10010"/>
                   </a:ext>
                 </a:extLst>
               </a:tr>
@@ -7631,7 +7658,7 @@
                         <a:rPr lang="en-US" sz="1200" u="none" strike="noStrike" normalizeH="0" baseline="0" dirty="0" err="1">
                           <a:effectLst/>
                           <a:latin typeface="+mn-lt"/>
-                          <a:hlinkClick r:id="rId7" invalidUrl="https://github.com/gvaccaro21/CS633---Term-Project/blob/master/Module 3 Deliverables/DRAFT - Configuration Items List_v0.1- 2.6.18.xlsx"/>
+                          <a:hlinkClick r:id="rId8" invalidUrl="https://github.com/gvaccaro21/CS633---Term-Project/blob/master/Module 3 Deliverables/DRAFT - Configuration Items List_v0.1- 2.6.18.xlsx"/>
                         </a:rPr>
                         <a:t>GitHub</a:t>
                       </a:r>
@@ -7659,7 +7686,7 @@
                 </a:tc>
                 <a:extLst>
                   <a:ext uri="{0D108BD9-81ED-4DB2-BD59-A6C34878D82A}">
-                    <a16:rowId xmlns="" xmlns:a16="http://schemas.microsoft.com/office/drawing/2014/main" val="10011"/>
+                    <a16:rowId xmlns:a16="http://schemas.microsoft.com/office/drawing/2014/main" xmlns="" val="10011"/>
                   </a:ext>
                 </a:extLst>
               </a:tr>
@@ -7872,7 +7899,7 @@
                     <a:p>
                       <a:r>
                         <a:rPr lang="en-US" sz="1200" dirty="0" err="1" smtClean="0">
-                          <a:hlinkClick r:id="rId8"/>
+                          <a:hlinkClick r:id="rId9"/>
                         </a:rPr>
                         <a:t>GitHub</a:t>
                       </a:r>
@@ -7893,7 +7920,7 @@
                 </a:tc>
                 <a:extLst>
                   <a:ext uri="{0D108BD9-81ED-4DB2-BD59-A6C34878D82A}">
-                    <a16:rowId xmlns="" xmlns:a16="http://schemas.microsoft.com/office/drawing/2014/main" val="10012"/>
+                    <a16:rowId xmlns:a16="http://schemas.microsoft.com/office/drawing/2014/main" xmlns="" val="10012"/>
                   </a:ext>
                 </a:extLst>
               </a:tr>
@@ -8135,7 +8162,7 @@
                 </a:tc>
                 <a:extLst>
                   <a:ext uri="{0D108BD9-81ED-4DB2-BD59-A6C34878D82A}">
-                    <a16:rowId xmlns="" xmlns:a16="http://schemas.microsoft.com/office/drawing/2014/main" val="10013"/>
+                    <a16:rowId xmlns:a16="http://schemas.microsoft.com/office/drawing/2014/main" xmlns="" val="10013"/>
                   </a:ext>
                 </a:extLst>
               </a:tr>
@@ -8233,63 +8260,63 @@
                 <a:gridCol w="996402">
                   <a:extLst>
                     <a:ext uri="{9D8B030D-6E8A-4147-A177-3AD203B41FA5}">
-                      <a16:colId xmlns="" xmlns:a16="http://schemas.microsoft.com/office/drawing/2014/main" val="20000"/>
+                      <a16:colId xmlns:a16="http://schemas.microsoft.com/office/drawing/2014/main" xmlns="" val="20000"/>
                     </a:ext>
                   </a:extLst>
                 </a:gridCol>
                 <a:gridCol w="2159760">
                   <a:extLst>
                     <a:ext uri="{9D8B030D-6E8A-4147-A177-3AD203B41FA5}">
-                      <a16:colId xmlns="" xmlns:a16="http://schemas.microsoft.com/office/drawing/2014/main" val="20001"/>
+                      <a16:colId xmlns:a16="http://schemas.microsoft.com/office/drawing/2014/main" xmlns="" val="20001"/>
                     </a:ext>
                   </a:extLst>
                 </a:gridCol>
                 <a:gridCol w="1002069">
                   <a:extLst>
                     <a:ext uri="{9D8B030D-6E8A-4147-A177-3AD203B41FA5}">
-                      <a16:colId xmlns="" xmlns:a16="http://schemas.microsoft.com/office/drawing/2014/main" val="20002"/>
+                      <a16:colId xmlns:a16="http://schemas.microsoft.com/office/drawing/2014/main" xmlns="" val="20002"/>
                     </a:ext>
                   </a:extLst>
                 </a:gridCol>
                 <a:gridCol w="1062092">
                   <a:extLst>
                     <a:ext uri="{9D8B030D-6E8A-4147-A177-3AD203B41FA5}">
-                      <a16:colId xmlns="" xmlns:a16="http://schemas.microsoft.com/office/drawing/2014/main" val="20003"/>
+                      <a16:colId xmlns:a16="http://schemas.microsoft.com/office/drawing/2014/main" xmlns="" val="20003"/>
                     </a:ext>
                   </a:extLst>
                 </a:gridCol>
                 <a:gridCol w="505530">
                   <a:extLst>
                     <a:ext uri="{9D8B030D-6E8A-4147-A177-3AD203B41FA5}">
-                      <a16:colId xmlns="" xmlns:a16="http://schemas.microsoft.com/office/drawing/2014/main" val="20004"/>
+                      <a16:colId xmlns:a16="http://schemas.microsoft.com/office/drawing/2014/main" xmlns="" val="20004"/>
                     </a:ext>
                   </a:extLst>
                 </a:gridCol>
                 <a:gridCol w="574635">
                   <a:extLst>
                     <a:ext uri="{9D8B030D-6E8A-4147-A177-3AD203B41FA5}">
-                      <a16:colId xmlns="" xmlns:a16="http://schemas.microsoft.com/office/drawing/2014/main" val="20005"/>
+                      <a16:colId xmlns:a16="http://schemas.microsoft.com/office/drawing/2014/main" xmlns="" val="20005"/>
                     </a:ext>
                   </a:extLst>
                 </a:gridCol>
                 <a:gridCol w="696898">
                   <a:extLst>
                     <a:ext uri="{9D8B030D-6E8A-4147-A177-3AD203B41FA5}">
-                      <a16:colId xmlns="" xmlns:a16="http://schemas.microsoft.com/office/drawing/2014/main" val="20006"/>
+                      <a16:colId xmlns:a16="http://schemas.microsoft.com/office/drawing/2014/main" xmlns="" val="20006"/>
                     </a:ext>
                   </a:extLst>
                 </a:gridCol>
                 <a:gridCol w="745803">
                   <a:extLst>
                     <a:ext uri="{9D8B030D-6E8A-4147-A177-3AD203B41FA5}">
-                      <a16:colId xmlns="" xmlns:a16="http://schemas.microsoft.com/office/drawing/2014/main" val="20007"/>
+                      <a16:colId xmlns:a16="http://schemas.microsoft.com/office/drawing/2014/main" xmlns="" val="20007"/>
                     </a:ext>
                   </a:extLst>
                 </a:gridCol>
                 <a:gridCol w="476825">
                   <a:extLst>
                     <a:ext uri="{9D8B030D-6E8A-4147-A177-3AD203B41FA5}">
-                      <a16:colId xmlns="" xmlns:a16="http://schemas.microsoft.com/office/drawing/2014/main" val="20008"/>
+                      <a16:colId xmlns:a16="http://schemas.microsoft.com/office/drawing/2014/main" xmlns="" val="20008"/>
                     </a:ext>
                   </a:extLst>
                 </a:gridCol>
@@ -8710,7 +8737,7 @@
                 </a:tc>
                 <a:extLst>
                   <a:ext uri="{0D108BD9-81ED-4DB2-BD59-A6C34878D82A}">
-                    <a16:rowId xmlns="" xmlns:a16="http://schemas.microsoft.com/office/drawing/2014/main" val="10000"/>
+                    <a16:rowId xmlns:a16="http://schemas.microsoft.com/office/drawing/2014/main" xmlns="" val="10000"/>
                   </a:ext>
                 </a:extLst>
               </a:tr>
@@ -8955,7 +8982,7 @@
                 </a:tc>
                 <a:extLst>
                   <a:ext uri="{0D108BD9-81ED-4DB2-BD59-A6C34878D82A}">
-                    <a16:rowId xmlns="" xmlns:a16="http://schemas.microsoft.com/office/drawing/2014/main" val="10001"/>
+                    <a16:rowId xmlns:a16="http://schemas.microsoft.com/office/drawing/2014/main" xmlns="" val="10001"/>
                   </a:ext>
                 </a:extLst>
               </a:tr>
@@ -9334,7 +9361,7 @@
                 </a:tc>
                 <a:extLst>
                   <a:ext uri="{0D108BD9-81ED-4DB2-BD59-A6C34878D82A}">
-                    <a16:rowId xmlns="" xmlns:a16="http://schemas.microsoft.com/office/drawing/2014/main" val="10002"/>
+                    <a16:rowId xmlns:a16="http://schemas.microsoft.com/office/drawing/2014/main" xmlns="" val="10002"/>
                   </a:ext>
                 </a:extLst>
               </a:tr>
@@ -9678,7 +9705,7 @@
                 </a:tc>
                 <a:extLst>
                   <a:ext uri="{0D108BD9-81ED-4DB2-BD59-A6C34878D82A}">
-                    <a16:rowId xmlns="" xmlns:a16="http://schemas.microsoft.com/office/drawing/2014/main" val="10003"/>
+                    <a16:rowId xmlns:a16="http://schemas.microsoft.com/office/drawing/2014/main" xmlns="" val="10003"/>
                   </a:ext>
                 </a:extLst>
               </a:tr>
@@ -10022,7 +10049,7 @@
                 </a:tc>
                 <a:extLst>
                   <a:ext uri="{0D108BD9-81ED-4DB2-BD59-A6C34878D82A}">
-                    <a16:rowId xmlns="" xmlns:a16="http://schemas.microsoft.com/office/drawing/2014/main" val="10004"/>
+                    <a16:rowId xmlns:a16="http://schemas.microsoft.com/office/drawing/2014/main" xmlns="" val="10004"/>
                   </a:ext>
                 </a:extLst>
               </a:tr>
@@ -10389,7 +10416,7 @@
                 </a:tc>
                 <a:extLst>
                   <a:ext uri="{0D108BD9-81ED-4DB2-BD59-A6C34878D82A}">
-                    <a16:rowId xmlns="" xmlns:a16="http://schemas.microsoft.com/office/drawing/2014/main" val="10005"/>
+                    <a16:rowId xmlns:a16="http://schemas.microsoft.com/office/drawing/2014/main" xmlns="" val="10005"/>
                   </a:ext>
                 </a:extLst>
               </a:tr>
@@ -10756,7 +10783,7 @@
                 </a:tc>
                 <a:extLst>
                   <a:ext uri="{0D108BD9-81ED-4DB2-BD59-A6C34878D82A}">
-                    <a16:rowId xmlns="" xmlns:a16="http://schemas.microsoft.com/office/drawing/2014/main" val="10006"/>
+                    <a16:rowId xmlns:a16="http://schemas.microsoft.com/office/drawing/2014/main" xmlns="" val="10006"/>
                   </a:ext>
                 </a:extLst>
               </a:tr>
@@ -11123,7 +11150,7 @@
                 </a:tc>
                 <a:extLst>
                   <a:ext uri="{0D108BD9-81ED-4DB2-BD59-A6C34878D82A}">
-                    <a16:rowId xmlns="" xmlns:a16="http://schemas.microsoft.com/office/drawing/2014/main" val="10007"/>
+                    <a16:rowId xmlns:a16="http://schemas.microsoft.com/office/drawing/2014/main" xmlns="" val="10007"/>
                   </a:ext>
                 </a:extLst>
               </a:tr>
@@ -11467,7 +11494,7 @@
                 </a:tc>
                 <a:extLst>
                   <a:ext uri="{0D108BD9-81ED-4DB2-BD59-A6C34878D82A}">
-                    <a16:rowId xmlns="" xmlns:a16="http://schemas.microsoft.com/office/drawing/2014/main" val="10008"/>
+                    <a16:rowId xmlns:a16="http://schemas.microsoft.com/office/drawing/2014/main" xmlns="" val="10008"/>
                   </a:ext>
                 </a:extLst>
               </a:tr>
@@ -11811,7 +11838,7 @@
                 </a:tc>
                 <a:extLst>
                   <a:ext uri="{0D108BD9-81ED-4DB2-BD59-A6C34878D82A}">
-                    <a16:rowId xmlns="" xmlns:a16="http://schemas.microsoft.com/office/drawing/2014/main" val="10009"/>
+                    <a16:rowId xmlns:a16="http://schemas.microsoft.com/office/drawing/2014/main" xmlns="" val="10009"/>
                   </a:ext>
                 </a:extLst>
               </a:tr>
@@ -12155,7 +12182,7 @@
                 </a:tc>
                 <a:extLst>
                   <a:ext uri="{0D108BD9-81ED-4DB2-BD59-A6C34878D82A}">
-                    <a16:rowId xmlns="" xmlns:a16="http://schemas.microsoft.com/office/drawing/2014/main" val="10010"/>
+                    <a16:rowId xmlns:a16="http://schemas.microsoft.com/office/drawing/2014/main" xmlns="" val="10010"/>
                   </a:ext>
                 </a:extLst>
               </a:tr>
@@ -12522,7 +12549,7 @@
                 </a:tc>
                 <a:extLst>
                   <a:ext uri="{0D108BD9-81ED-4DB2-BD59-A6C34878D82A}">
-                    <a16:rowId xmlns="" xmlns:a16="http://schemas.microsoft.com/office/drawing/2014/main" val="10011"/>
+                    <a16:rowId xmlns:a16="http://schemas.microsoft.com/office/drawing/2014/main" xmlns="" val="10011"/>
                   </a:ext>
                 </a:extLst>
               </a:tr>
@@ -12889,7 +12916,7 @@
                 </a:tc>
                 <a:extLst>
                   <a:ext uri="{0D108BD9-81ED-4DB2-BD59-A6C34878D82A}">
-                    <a16:rowId xmlns="" xmlns:a16="http://schemas.microsoft.com/office/drawing/2014/main" val="10012"/>
+                    <a16:rowId xmlns:a16="http://schemas.microsoft.com/office/drawing/2014/main" xmlns="" val="10012"/>
                   </a:ext>
                 </a:extLst>
               </a:tr>
@@ -13256,7 +13283,7 @@
                 </a:tc>
                 <a:extLst>
                   <a:ext uri="{0D108BD9-81ED-4DB2-BD59-A6C34878D82A}">
-                    <a16:rowId xmlns="" xmlns:a16="http://schemas.microsoft.com/office/drawing/2014/main" val="10013"/>
+                    <a16:rowId xmlns:a16="http://schemas.microsoft.com/office/drawing/2014/main" xmlns="" val="10013"/>
                   </a:ext>
                 </a:extLst>
               </a:tr>
@@ -13623,7 +13650,7 @@
                 </a:tc>
                 <a:extLst>
                   <a:ext uri="{0D108BD9-81ED-4DB2-BD59-A6C34878D82A}">
-                    <a16:rowId xmlns="" xmlns:a16="http://schemas.microsoft.com/office/drawing/2014/main" val="10014"/>
+                    <a16:rowId xmlns:a16="http://schemas.microsoft.com/office/drawing/2014/main" xmlns="" val="10014"/>
                   </a:ext>
                 </a:extLst>
               </a:tr>
@@ -13673,7 +13700,7 @@
           <p:cNvPr id="5" name="Text Placeholder 4">
             <a:extLst>
               <a:ext uri="{FF2B5EF4-FFF2-40B4-BE49-F238E27FC236}">
-                <a16:creationId xmlns="" xmlns:a16="http://schemas.microsoft.com/office/drawing/2014/main" id="{4297ADF3-BC92-B548-B50D-6294C3AFCBC5}"/>
+                <a16:creationId xmlns:a16="http://schemas.microsoft.com/office/drawing/2014/main" xmlns="" id="{4297ADF3-BC92-B548-B50D-6294C3AFCBC5}"/>
               </a:ext>
             </a:extLst>
           </p:cNvPr>
@@ -13706,7 +13733,7 @@
           <p:cNvPr id="4" name="Title 3">
             <a:extLst>
               <a:ext uri="{FF2B5EF4-FFF2-40B4-BE49-F238E27FC236}">
-                <a16:creationId xmlns="" xmlns:a16="http://schemas.microsoft.com/office/drawing/2014/main" id="{5AC4E82C-61B5-3F4E-B395-7FB7D51AAAA4}"/>
+                <a16:creationId xmlns:a16="http://schemas.microsoft.com/office/drawing/2014/main" xmlns="" id="{5AC4E82C-61B5-3F4E-B395-7FB7D51AAAA4}"/>
               </a:ext>
             </a:extLst>
           </p:cNvPr>
@@ -13732,15 +13759,7 @@
             <a:pPr algn="ctr"/>
             <a:r>
               <a:rPr lang="en-US" sz="2800" dirty="0" smtClean="0"/>
-              <a:t>Use </a:t>
-            </a:r>
-            <a:r>
-              <a:rPr lang="en-US" sz="2800" dirty="0" smtClean="0"/>
-              <a:t>Cases, State Transitions &amp; </a:t>
-            </a:r>
-            <a:r>
-              <a:rPr lang="en-US" sz="2800" dirty="0" smtClean="0"/>
-              <a:t>Component Interactions</a:t>
+              <a:t>Use Cases, State Transitions &amp; Component Interactions</a:t>
             </a:r>
             <a:endParaRPr lang="en-US" sz="2800" dirty="0"/>
           </a:p>
@@ -14941,7 +14960,7 @@
           <p:cNvPr id="5" name="Text Placeholder 4">
             <a:extLst>
               <a:ext uri="{FF2B5EF4-FFF2-40B4-BE49-F238E27FC236}">
-                <a16:creationId xmlns="" xmlns:a16="http://schemas.microsoft.com/office/drawing/2014/main" id="{4297ADF3-BC92-B548-B50D-6294C3AFCBC5}"/>
+                <a16:creationId xmlns:a16="http://schemas.microsoft.com/office/drawing/2014/main" xmlns="" id="{4297ADF3-BC92-B548-B50D-6294C3AFCBC5}"/>
               </a:ext>
             </a:extLst>
           </p:cNvPr>
@@ -14969,7 +14988,7 @@
           <p:cNvPr id="4" name="Title 3">
             <a:extLst>
               <a:ext uri="{FF2B5EF4-FFF2-40B4-BE49-F238E27FC236}">
-                <a16:creationId xmlns="" xmlns:a16="http://schemas.microsoft.com/office/drawing/2014/main" id="{5AC4E82C-61B5-3F4E-B395-7FB7D51AAAA4}"/>
+                <a16:creationId xmlns:a16="http://schemas.microsoft.com/office/drawing/2014/main" xmlns="" id="{5AC4E82C-61B5-3F4E-B395-7FB7D51AAAA4}"/>
               </a:ext>
             </a:extLst>
           </p:cNvPr>
@@ -15085,56 +15104,56 @@
                 <a:gridCol w="1170481">
                   <a:extLst>
                     <a:ext uri="{9D8B030D-6E8A-4147-A177-3AD203B41FA5}">
-                      <a16:colId xmlns="" xmlns:a16="http://schemas.microsoft.com/office/drawing/2014/main" val="20000"/>
+                      <a16:colId xmlns:a16="http://schemas.microsoft.com/office/drawing/2014/main" xmlns="" val="20000"/>
                     </a:ext>
                   </a:extLst>
                 </a:gridCol>
                 <a:gridCol w="585345">
                   <a:extLst>
                     <a:ext uri="{9D8B030D-6E8A-4147-A177-3AD203B41FA5}">
-                      <a16:colId xmlns="" xmlns:a16="http://schemas.microsoft.com/office/drawing/2014/main" val="20001"/>
+                      <a16:colId xmlns:a16="http://schemas.microsoft.com/office/drawing/2014/main" xmlns="" val="20001"/>
                     </a:ext>
                   </a:extLst>
                 </a:gridCol>
                 <a:gridCol w="1662574">
                   <a:extLst>
                     <a:ext uri="{9D8B030D-6E8A-4147-A177-3AD203B41FA5}">
-                      <a16:colId xmlns="" xmlns:a16="http://schemas.microsoft.com/office/drawing/2014/main" val="20002"/>
+                      <a16:colId xmlns:a16="http://schemas.microsoft.com/office/drawing/2014/main" xmlns="" val="20002"/>
                     </a:ext>
                   </a:extLst>
                 </a:gridCol>
                 <a:gridCol w="208280">
                   <a:extLst>
                     <a:ext uri="{9D8B030D-6E8A-4147-A177-3AD203B41FA5}">
-                      <a16:colId xmlns="" xmlns:a16="http://schemas.microsoft.com/office/drawing/2014/main" val="20003"/>
+                      <a16:colId xmlns:a16="http://schemas.microsoft.com/office/drawing/2014/main" xmlns="" val="20003"/>
                     </a:ext>
                   </a:extLst>
                 </a:gridCol>
                 <a:gridCol w="158691">
                   <a:extLst>
                     <a:ext uri="{9D8B030D-6E8A-4147-A177-3AD203B41FA5}">
-                      <a16:colId xmlns="" xmlns:a16="http://schemas.microsoft.com/office/drawing/2014/main" val="20004"/>
+                      <a16:colId xmlns:a16="http://schemas.microsoft.com/office/drawing/2014/main" xmlns="" val="20004"/>
                     </a:ext>
                   </a:extLst>
                 </a:gridCol>
                 <a:gridCol w="2311517">
                   <a:extLst>
                     <a:ext uri="{9D8B030D-6E8A-4147-A177-3AD203B41FA5}">
-                      <a16:colId xmlns="" xmlns:a16="http://schemas.microsoft.com/office/drawing/2014/main" val="20005"/>
+                      <a16:colId xmlns:a16="http://schemas.microsoft.com/office/drawing/2014/main" xmlns="" val="20005"/>
                     </a:ext>
                   </a:extLst>
                 </a:gridCol>
                 <a:gridCol w="876725">
                   <a:extLst>
                     <a:ext uri="{9D8B030D-6E8A-4147-A177-3AD203B41FA5}">
-                      <a16:colId xmlns="" xmlns:a16="http://schemas.microsoft.com/office/drawing/2014/main" val="20006"/>
+                      <a16:colId xmlns:a16="http://schemas.microsoft.com/office/drawing/2014/main" xmlns="" val="20006"/>
                     </a:ext>
                   </a:extLst>
                 </a:gridCol>
                 <a:gridCol w="1179793">
                   <a:extLst>
                     <a:ext uri="{9D8B030D-6E8A-4147-A177-3AD203B41FA5}">
-                      <a16:colId xmlns="" xmlns:a16="http://schemas.microsoft.com/office/drawing/2014/main" val="20007"/>
+                      <a16:colId xmlns:a16="http://schemas.microsoft.com/office/drawing/2014/main" xmlns="" val="20007"/>
                     </a:ext>
                   </a:extLst>
                 </a:gridCol>
@@ -15240,7 +15259,7 @@
                 </a:tc>
                 <a:extLst>
                   <a:ext uri="{0D108BD9-81ED-4DB2-BD59-A6C34878D82A}">
-                    <a16:rowId xmlns="" xmlns:a16="http://schemas.microsoft.com/office/drawing/2014/main" val="10000"/>
+                    <a16:rowId xmlns:a16="http://schemas.microsoft.com/office/drawing/2014/main" xmlns="" val="10000"/>
                   </a:ext>
                 </a:extLst>
               </a:tr>
@@ -15362,7 +15381,7 @@
                 </a:tc>
                 <a:extLst>
                   <a:ext uri="{0D108BD9-81ED-4DB2-BD59-A6C34878D82A}">
-                    <a16:rowId xmlns="" xmlns:a16="http://schemas.microsoft.com/office/drawing/2014/main" val="10001"/>
+                    <a16:rowId xmlns:a16="http://schemas.microsoft.com/office/drawing/2014/main" xmlns="" val="10001"/>
                   </a:ext>
                 </a:extLst>
               </a:tr>
@@ -15605,7 +15624,7 @@
                 </a:tc>
                 <a:extLst>
                   <a:ext uri="{0D108BD9-81ED-4DB2-BD59-A6C34878D82A}">
-                    <a16:rowId xmlns="" xmlns:a16="http://schemas.microsoft.com/office/drawing/2014/main" val="10002"/>
+                    <a16:rowId xmlns:a16="http://schemas.microsoft.com/office/drawing/2014/main" xmlns="" val="10002"/>
                   </a:ext>
                 </a:extLst>
               </a:tr>
@@ -15778,7 +15797,7 @@
                 </a:tc>
                 <a:extLst>
                   <a:ext uri="{0D108BD9-81ED-4DB2-BD59-A6C34878D82A}">
-                    <a16:rowId xmlns="" xmlns:a16="http://schemas.microsoft.com/office/drawing/2014/main" val="10003"/>
+                    <a16:rowId xmlns:a16="http://schemas.microsoft.com/office/drawing/2014/main" xmlns="" val="10003"/>
                   </a:ext>
                 </a:extLst>
               </a:tr>
@@ -16041,7 +16060,7 @@
                 </a:tc>
                 <a:extLst>
                   <a:ext uri="{0D108BD9-81ED-4DB2-BD59-A6C34878D82A}">
-                    <a16:rowId xmlns="" xmlns:a16="http://schemas.microsoft.com/office/drawing/2014/main" val="10004"/>
+                    <a16:rowId xmlns:a16="http://schemas.microsoft.com/office/drawing/2014/main" xmlns="" val="10004"/>
                   </a:ext>
                 </a:extLst>
               </a:tr>
@@ -16225,7 +16244,7 @@
                 </a:tc>
                 <a:extLst>
                   <a:ext uri="{0D108BD9-81ED-4DB2-BD59-A6C34878D82A}">
-                    <a16:rowId xmlns="" xmlns:a16="http://schemas.microsoft.com/office/drawing/2014/main" val="10005"/>
+                    <a16:rowId xmlns:a16="http://schemas.microsoft.com/office/drawing/2014/main" xmlns="" val="10005"/>
                   </a:ext>
                 </a:extLst>
               </a:tr>
@@ -16407,7 +16426,7 @@
                 </a:tc>
                 <a:extLst>
                   <a:ext uri="{0D108BD9-81ED-4DB2-BD59-A6C34878D82A}">
-                    <a16:rowId xmlns="" xmlns:a16="http://schemas.microsoft.com/office/drawing/2014/main" val="10006"/>
+                    <a16:rowId xmlns:a16="http://schemas.microsoft.com/office/drawing/2014/main" xmlns="" val="10006"/>
                   </a:ext>
                 </a:extLst>
               </a:tr>
@@ -16580,7 +16599,7 @@
                 </a:tc>
                 <a:extLst>
                   <a:ext uri="{0D108BD9-81ED-4DB2-BD59-A6C34878D82A}">
-                    <a16:rowId xmlns="" xmlns:a16="http://schemas.microsoft.com/office/drawing/2014/main" val="10007"/>
+                    <a16:rowId xmlns:a16="http://schemas.microsoft.com/office/drawing/2014/main" xmlns="" val="10007"/>
                   </a:ext>
                 </a:extLst>
               </a:tr>
@@ -16771,7 +16790,7 @@
                 </a:tc>
                 <a:extLst>
                   <a:ext uri="{0D108BD9-81ED-4DB2-BD59-A6C34878D82A}">
-                    <a16:rowId xmlns="" xmlns:a16="http://schemas.microsoft.com/office/drawing/2014/main" val="10008"/>
+                    <a16:rowId xmlns:a16="http://schemas.microsoft.com/office/drawing/2014/main" xmlns="" val="10008"/>
                   </a:ext>
                 </a:extLst>
               </a:tr>
@@ -16980,7 +16999,7 @@
                 </a:tc>
                 <a:extLst>
                   <a:ext uri="{0D108BD9-81ED-4DB2-BD59-A6C34878D82A}">
-                    <a16:rowId xmlns="" xmlns:a16="http://schemas.microsoft.com/office/drawing/2014/main" val="10009"/>
+                    <a16:rowId xmlns:a16="http://schemas.microsoft.com/office/drawing/2014/main" xmlns="" val="10009"/>
                   </a:ext>
                 </a:extLst>
               </a:tr>
@@ -17030,7 +17049,7 @@
           <p:cNvPr id="27" name="Table 26">
             <a:extLst>
               <a:ext uri="{FF2B5EF4-FFF2-40B4-BE49-F238E27FC236}">
-                <a16:creationId xmlns="" xmlns:a16="http://schemas.microsoft.com/office/drawing/2014/main" id="{D5C37F54-5F6F-F546-8424-9F6C71A2D1BD}"/>
+                <a16:creationId xmlns:a16="http://schemas.microsoft.com/office/drawing/2014/main" xmlns="" id="{D5C37F54-5F6F-F546-8424-9F6C71A2D1BD}"/>
               </a:ext>
             </a:extLst>
           </p:cNvPr>
@@ -17059,42 +17078,42 @@
                 <a:gridCol w="213756">
                   <a:extLst>
                     <a:ext uri="{9D8B030D-6E8A-4147-A177-3AD203B41FA5}">
-                      <a16:colId xmlns="" xmlns:a16="http://schemas.microsoft.com/office/drawing/2014/main" val="2688015389"/>
+                      <a16:colId xmlns:a16="http://schemas.microsoft.com/office/drawing/2014/main" xmlns="" val="2688015389"/>
                     </a:ext>
                   </a:extLst>
                 </a:gridCol>
                 <a:gridCol w="1549718">
                   <a:extLst>
                     <a:ext uri="{9D8B030D-6E8A-4147-A177-3AD203B41FA5}">
-                      <a16:colId xmlns="" xmlns:a16="http://schemas.microsoft.com/office/drawing/2014/main" val="1901220774"/>
+                      <a16:colId xmlns:a16="http://schemas.microsoft.com/office/drawing/2014/main" xmlns="" val="1901220774"/>
                     </a:ext>
                   </a:extLst>
                 </a:gridCol>
                 <a:gridCol w="1644744">
                   <a:extLst>
                     <a:ext uri="{9D8B030D-6E8A-4147-A177-3AD203B41FA5}">
-                      <a16:colId xmlns="" xmlns:a16="http://schemas.microsoft.com/office/drawing/2014/main" val="1973200309"/>
+                      <a16:colId xmlns:a16="http://schemas.microsoft.com/office/drawing/2014/main" xmlns="" val="1973200309"/>
                     </a:ext>
                   </a:extLst>
                 </a:gridCol>
                 <a:gridCol w="1688320">
                   <a:extLst>
                     <a:ext uri="{9D8B030D-6E8A-4147-A177-3AD203B41FA5}">
-                      <a16:colId xmlns="" xmlns:a16="http://schemas.microsoft.com/office/drawing/2014/main" val="2178221952"/>
+                      <a16:colId xmlns:a16="http://schemas.microsoft.com/office/drawing/2014/main" xmlns="" val="2178221952"/>
                     </a:ext>
                   </a:extLst>
                 </a:gridCol>
                 <a:gridCol w="1714490">
                   <a:extLst>
                     <a:ext uri="{9D8B030D-6E8A-4147-A177-3AD203B41FA5}">
-                      <a16:colId xmlns="" xmlns:a16="http://schemas.microsoft.com/office/drawing/2014/main" val="2438514074"/>
+                      <a16:colId xmlns:a16="http://schemas.microsoft.com/office/drawing/2014/main" xmlns="" val="2438514074"/>
                     </a:ext>
                   </a:extLst>
                 </a:gridCol>
                 <a:gridCol w="1816152">
                   <a:extLst>
                     <a:ext uri="{9D8B030D-6E8A-4147-A177-3AD203B41FA5}">
-                      <a16:colId xmlns="" xmlns:a16="http://schemas.microsoft.com/office/drawing/2014/main" val="882827926"/>
+                      <a16:colId xmlns:a16="http://schemas.microsoft.com/office/drawing/2014/main" xmlns="" val="882827926"/>
                     </a:ext>
                   </a:extLst>
                 </a:gridCol>
@@ -17501,7 +17520,7 @@
                 </a:tc>
                 <a:extLst>
                   <a:ext uri="{0D108BD9-81ED-4DB2-BD59-A6C34878D82A}">
-                    <a16:rowId xmlns="" xmlns:a16="http://schemas.microsoft.com/office/drawing/2014/main" val="3206989152"/>
+                    <a16:rowId xmlns:a16="http://schemas.microsoft.com/office/drawing/2014/main" xmlns="" val="3206989152"/>
                   </a:ext>
                 </a:extLst>
               </a:tr>
@@ -17866,7 +17885,7 @@
                 </a:tc>
                 <a:extLst>
                   <a:ext uri="{0D108BD9-81ED-4DB2-BD59-A6C34878D82A}">
-                    <a16:rowId xmlns="" xmlns:a16="http://schemas.microsoft.com/office/drawing/2014/main" val="651350196"/>
+                    <a16:rowId xmlns:a16="http://schemas.microsoft.com/office/drawing/2014/main" xmlns="" val="651350196"/>
                   </a:ext>
                 </a:extLst>
               </a:tr>
@@ -18279,7 +18298,7 @@
                 </a:tc>
                 <a:extLst>
                   <a:ext uri="{0D108BD9-81ED-4DB2-BD59-A6C34878D82A}">
-                    <a16:rowId xmlns="" xmlns:a16="http://schemas.microsoft.com/office/drawing/2014/main" val="2877274176"/>
+                    <a16:rowId xmlns:a16="http://schemas.microsoft.com/office/drawing/2014/main" xmlns="" val="2877274176"/>
                   </a:ext>
                 </a:extLst>
               </a:tr>
@@ -18669,7 +18688,7 @@
                 </a:tc>
                 <a:extLst>
                   <a:ext uri="{0D108BD9-81ED-4DB2-BD59-A6C34878D82A}">
-                    <a16:rowId xmlns="" xmlns:a16="http://schemas.microsoft.com/office/drawing/2014/main" val="3597776571"/>
+                    <a16:rowId xmlns:a16="http://schemas.microsoft.com/office/drawing/2014/main" xmlns="" val="3597776571"/>
                   </a:ext>
                 </a:extLst>
               </a:tr>
@@ -19035,7 +19054,7 @@
                 </a:tc>
                 <a:extLst>
                   <a:ext uri="{0D108BD9-81ED-4DB2-BD59-A6C34878D82A}">
-                    <a16:rowId xmlns="" xmlns:a16="http://schemas.microsoft.com/office/drawing/2014/main" val="2736150277"/>
+                    <a16:rowId xmlns:a16="http://schemas.microsoft.com/office/drawing/2014/main" xmlns="" val="2736150277"/>
                   </a:ext>
                 </a:extLst>
               </a:tr>
@@ -19072,7 +19091,7 @@
           <p:cNvPr id="7" name="Rectangle 6">
             <a:extLst>
               <a:ext uri="{FF2B5EF4-FFF2-40B4-BE49-F238E27FC236}">
-                <a16:creationId xmlns="" xmlns:a16="http://schemas.microsoft.com/office/drawing/2014/main" id="{9DFF5119-1E25-784D-8F87-4F769173656D}"/>
+                <a16:creationId xmlns:a16="http://schemas.microsoft.com/office/drawing/2014/main" xmlns="" id="{9DFF5119-1E25-784D-8F87-4F769173656D}"/>
               </a:ext>
             </a:extLst>
           </p:cNvPr>
@@ -19131,7 +19150,7 @@
           <p:cNvPr id="11" name="Rectangle 10">
             <a:extLst>
               <a:ext uri="{FF2B5EF4-FFF2-40B4-BE49-F238E27FC236}">
-                <a16:creationId xmlns="" xmlns:a16="http://schemas.microsoft.com/office/drawing/2014/main" id="{0325C231-FED2-EF4F-B083-25EABECDE3E3}"/>
+                <a16:creationId xmlns:a16="http://schemas.microsoft.com/office/drawing/2014/main" xmlns="" id="{0325C231-FED2-EF4F-B083-25EABECDE3E3}"/>
               </a:ext>
             </a:extLst>
           </p:cNvPr>
@@ -19190,7 +19209,7 @@
           <p:cNvPr id="15" name="Rectangle 14">
             <a:extLst>
               <a:ext uri="{FF2B5EF4-FFF2-40B4-BE49-F238E27FC236}">
-                <a16:creationId xmlns="" xmlns:a16="http://schemas.microsoft.com/office/drawing/2014/main" id="{F6C5CFCE-9F10-2047-B029-8F273A687CF5}"/>
+                <a16:creationId xmlns:a16="http://schemas.microsoft.com/office/drawing/2014/main" xmlns="" id="{F6C5CFCE-9F10-2047-B029-8F273A687CF5}"/>
               </a:ext>
             </a:extLst>
           </p:cNvPr>
@@ -19249,7 +19268,7 @@
           <p:cNvPr id="19" name="Rectangle 18">
             <a:extLst>
               <a:ext uri="{FF2B5EF4-FFF2-40B4-BE49-F238E27FC236}">
-                <a16:creationId xmlns="" xmlns:a16="http://schemas.microsoft.com/office/drawing/2014/main" id="{1740DF6C-07A4-8447-9A14-46557DA95325}"/>
+                <a16:creationId xmlns:a16="http://schemas.microsoft.com/office/drawing/2014/main" xmlns="" id="{1740DF6C-07A4-8447-9A14-46557DA95325}"/>
               </a:ext>
             </a:extLst>
           </p:cNvPr>
@@ -19308,7 +19327,7 @@
           <p:cNvPr id="23" name="Rectangle 22">
             <a:extLst>
               <a:ext uri="{FF2B5EF4-FFF2-40B4-BE49-F238E27FC236}">
-                <a16:creationId xmlns="" xmlns:a16="http://schemas.microsoft.com/office/drawing/2014/main" id="{B4D2527D-9AA0-3640-819B-462C19AB92C9}"/>
+                <a16:creationId xmlns:a16="http://schemas.microsoft.com/office/drawing/2014/main" xmlns="" id="{B4D2527D-9AA0-3640-819B-462C19AB92C9}"/>
               </a:ext>
             </a:extLst>
           </p:cNvPr>
@@ -19404,7 +19423,7 @@
           <p:cNvPr id="5" name="Text Placeholder 4">
             <a:extLst>
               <a:ext uri="{FF2B5EF4-FFF2-40B4-BE49-F238E27FC236}">
-                <a16:creationId xmlns="" xmlns:a16="http://schemas.microsoft.com/office/drawing/2014/main" id="{4297ADF3-BC92-B548-B50D-6294C3AFCBC5}"/>
+                <a16:creationId xmlns:a16="http://schemas.microsoft.com/office/drawing/2014/main" xmlns="" id="{4297ADF3-BC92-B548-B50D-6294C3AFCBC5}"/>
               </a:ext>
             </a:extLst>
           </p:cNvPr>
@@ -19432,7 +19451,7 @@
           <p:cNvPr id="4" name="Title 3">
             <a:extLst>
               <a:ext uri="{FF2B5EF4-FFF2-40B4-BE49-F238E27FC236}">
-                <a16:creationId xmlns="" xmlns:a16="http://schemas.microsoft.com/office/drawing/2014/main" id="{5AC4E82C-61B5-3F4E-B395-7FB7D51AAAA4}"/>
+                <a16:creationId xmlns:a16="http://schemas.microsoft.com/office/drawing/2014/main" xmlns="" id="{5AC4E82C-61B5-3F4E-B395-7FB7D51AAAA4}"/>
               </a:ext>
             </a:extLst>
           </p:cNvPr>
@@ -19548,21 +19567,21 @@
                 <a:gridCol w="734289">
                   <a:extLst>
                     <a:ext uri="{9D8B030D-6E8A-4147-A177-3AD203B41FA5}">
-                      <a16:colId xmlns="" xmlns:a16="http://schemas.microsoft.com/office/drawing/2014/main" val="20000"/>
+                      <a16:colId xmlns:a16="http://schemas.microsoft.com/office/drawing/2014/main" xmlns="" val="20000"/>
                     </a:ext>
                   </a:extLst>
                 </a:gridCol>
                 <a:gridCol w="6106691">
                   <a:extLst>
                     <a:ext uri="{9D8B030D-6E8A-4147-A177-3AD203B41FA5}">
-                      <a16:colId xmlns="" xmlns:a16="http://schemas.microsoft.com/office/drawing/2014/main" val="20001"/>
+                      <a16:colId xmlns:a16="http://schemas.microsoft.com/office/drawing/2014/main" xmlns="" val="20001"/>
                     </a:ext>
                   </a:extLst>
                 </a:gridCol>
                 <a:gridCol w="1312420">
                   <a:extLst>
                     <a:ext uri="{9D8B030D-6E8A-4147-A177-3AD203B41FA5}">
-                      <a16:colId xmlns="" xmlns:a16="http://schemas.microsoft.com/office/drawing/2014/main" val="20002"/>
+                      <a16:colId xmlns:a16="http://schemas.microsoft.com/office/drawing/2014/main" xmlns="" val="20002"/>
                     </a:ext>
                   </a:extLst>
                 </a:gridCol>
@@ -19649,7 +19668,7 @@
                 </a:tc>
                 <a:extLst>
                   <a:ext uri="{0D108BD9-81ED-4DB2-BD59-A6C34878D82A}">
-                    <a16:rowId xmlns="" xmlns:a16="http://schemas.microsoft.com/office/drawing/2014/main" val="10000"/>
+                    <a16:rowId xmlns:a16="http://schemas.microsoft.com/office/drawing/2014/main" xmlns="" val="10000"/>
                   </a:ext>
                 </a:extLst>
               </a:tr>
@@ -19755,7 +19774,7 @@
                 </a:tc>
                 <a:extLst>
                   <a:ext uri="{0D108BD9-81ED-4DB2-BD59-A6C34878D82A}">
-                    <a16:rowId xmlns="" xmlns:a16="http://schemas.microsoft.com/office/drawing/2014/main" val="10001"/>
+                    <a16:rowId xmlns:a16="http://schemas.microsoft.com/office/drawing/2014/main" xmlns="" val="10001"/>
                   </a:ext>
                 </a:extLst>
               </a:tr>
@@ -19861,7 +19880,7 @@
                 </a:tc>
                 <a:extLst>
                   <a:ext uri="{0D108BD9-81ED-4DB2-BD59-A6C34878D82A}">
-                    <a16:rowId xmlns="" xmlns:a16="http://schemas.microsoft.com/office/drawing/2014/main" val="10002"/>
+                    <a16:rowId xmlns:a16="http://schemas.microsoft.com/office/drawing/2014/main" xmlns="" val="10002"/>
                   </a:ext>
                 </a:extLst>
               </a:tr>
@@ -19967,7 +19986,7 @@
                 </a:tc>
                 <a:extLst>
                   <a:ext uri="{0D108BD9-81ED-4DB2-BD59-A6C34878D82A}">
-                    <a16:rowId xmlns="" xmlns:a16="http://schemas.microsoft.com/office/drawing/2014/main" val="10003"/>
+                    <a16:rowId xmlns:a16="http://schemas.microsoft.com/office/drawing/2014/main" xmlns="" val="10003"/>
                   </a:ext>
                 </a:extLst>
               </a:tr>
@@ -20073,7 +20092,7 @@
                 </a:tc>
                 <a:extLst>
                   <a:ext uri="{0D108BD9-81ED-4DB2-BD59-A6C34878D82A}">
-                    <a16:rowId xmlns="" xmlns:a16="http://schemas.microsoft.com/office/drawing/2014/main" val="10004"/>
+                    <a16:rowId xmlns:a16="http://schemas.microsoft.com/office/drawing/2014/main" xmlns="" val="10004"/>
                   </a:ext>
                 </a:extLst>
               </a:tr>
@@ -20179,7 +20198,7 @@
                 </a:tc>
                 <a:extLst>
                   <a:ext uri="{0D108BD9-81ED-4DB2-BD59-A6C34878D82A}">
-                    <a16:rowId xmlns="" xmlns:a16="http://schemas.microsoft.com/office/drawing/2014/main" val="10005"/>
+                    <a16:rowId xmlns:a16="http://schemas.microsoft.com/office/drawing/2014/main" xmlns="" val="10005"/>
                   </a:ext>
                 </a:extLst>
               </a:tr>
@@ -20285,7 +20304,7 @@
                 </a:tc>
                 <a:extLst>
                   <a:ext uri="{0D108BD9-81ED-4DB2-BD59-A6C34878D82A}">
-                    <a16:rowId xmlns="" xmlns:a16="http://schemas.microsoft.com/office/drawing/2014/main" val="10006"/>
+                    <a16:rowId xmlns:a16="http://schemas.microsoft.com/office/drawing/2014/main" xmlns="" val="10006"/>
                   </a:ext>
                 </a:extLst>
               </a:tr>
@@ -20391,7 +20410,7 @@
                 </a:tc>
                 <a:extLst>
                   <a:ext uri="{0D108BD9-81ED-4DB2-BD59-A6C34878D82A}">
-                    <a16:rowId xmlns="" xmlns:a16="http://schemas.microsoft.com/office/drawing/2014/main" val="10007"/>
+                    <a16:rowId xmlns:a16="http://schemas.microsoft.com/office/drawing/2014/main" xmlns="" val="10007"/>
                   </a:ext>
                 </a:extLst>
               </a:tr>
@@ -20497,7 +20516,7 @@
                 </a:tc>
                 <a:extLst>
                   <a:ext uri="{0D108BD9-81ED-4DB2-BD59-A6C34878D82A}">
-                    <a16:rowId xmlns="" xmlns:a16="http://schemas.microsoft.com/office/drawing/2014/main" val="10008"/>
+                    <a16:rowId xmlns:a16="http://schemas.microsoft.com/office/drawing/2014/main" xmlns="" val="10008"/>
                   </a:ext>
                 </a:extLst>
               </a:tr>
@@ -20571,7 +20590,7 @@
                 </a:tc>
                 <a:extLst>
                   <a:ext uri="{0D108BD9-81ED-4DB2-BD59-A6C34878D82A}">
-                    <a16:rowId xmlns="" xmlns:a16="http://schemas.microsoft.com/office/drawing/2014/main" val="10009"/>
+                    <a16:rowId xmlns:a16="http://schemas.microsoft.com/office/drawing/2014/main" xmlns="" val="10009"/>
                   </a:ext>
                 </a:extLst>
               </a:tr>
@@ -20669,21 +20688,21 @@
                 <a:gridCol w="734289">
                   <a:extLst>
                     <a:ext uri="{9D8B030D-6E8A-4147-A177-3AD203B41FA5}">
-                      <a16:colId xmlns="" xmlns:a16="http://schemas.microsoft.com/office/drawing/2014/main" val="20000"/>
+                      <a16:colId xmlns:a16="http://schemas.microsoft.com/office/drawing/2014/main" xmlns="" val="20000"/>
                     </a:ext>
                   </a:extLst>
                 </a:gridCol>
                 <a:gridCol w="6106691">
                   <a:extLst>
                     <a:ext uri="{9D8B030D-6E8A-4147-A177-3AD203B41FA5}">
-                      <a16:colId xmlns="" xmlns:a16="http://schemas.microsoft.com/office/drawing/2014/main" val="20001"/>
+                      <a16:colId xmlns:a16="http://schemas.microsoft.com/office/drawing/2014/main" xmlns="" val="20001"/>
                     </a:ext>
                   </a:extLst>
                 </a:gridCol>
                 <a:gridCol w="1312420">
                   <a:extLst>
                     <a:ext uri="{9D8B030D-6E8A-4147-A177-3AD203B41FA5}">
-                      <a16:colId xmlns="" xmlns:a16="http://schemas.microsoft.com/office/drawing/2014/main" val="20002"/>
+                      <a16:colId xmlns:a16="http://schemas.microsoft.com/office/drawing/2014/main" xmlns="" val="20002"/>
                     </a:ext>
                   </a:extLst>
                 </a:gridCol>
@@ -20772,7 +20791,7 @@
                 </a:tc>
                 <a:extLst>
                   <a:ext uri="{0D108BD9-81ED-4DB2-BD59-A6C34878D82A}">
-                    <a16:rowId xmlns="" xmlns:a16="http://schemas.microsoft.com/office/drawing/2014/main" val="10000"/>
+                    <a16:rowId xmlns:a16="http://schemas.microsoft.com/office/drawing/2014/main" xmlns="" val="10000"/>
                   </a:ext>
                 </a:extLst>
               </a:tr>
@@ -20878,7 +20897,7 @@
                 </a:tc>
                 <a:extLst>
                   <a:ext uri="{0D108BD9-81ED-4DB2-BD59-A6C34878D82A}">
-                    <a16:rowId xmlns="" xmlns:a16="http://schemas.microsoft.com/office/drawing/2014/main" val="10001"/>
+                    <a16:rowId xmlns:a16="http://schemas.microsoft.com/office/drawing/2014/main" xmlns="" val="10001"/>
                   </a:ext>
                 </a:extLst>
               </a:tr>
@@ -20984,7 +21003,7 @@
                 </a:tc>
                 <a:extLst>
                   <a:ext uri="{0D108BD9-81ED-4DB2-BD59-A6C34878D82A}">
-                    <a16:rowId xmlns="" xmlns:a16="http://schemas.microsoft.com/office/drawing/2014/main" val="10002"/>
+                    <a16:rowId xmlns:a16="http://schemas.microsoft.com/office/drawing/2014/main" xmlns="" val="10002"/>
                   </a:ext>
                 </a:extLst>
               </a:tr>
@@ -21090,7 +21109,7 @@
                 </a:tc>
                 <a:extLst>
                   <a:ext uri="{0D108BD9-81ED-4DB2-BD59-A6C34878D82A}">
-                    <a16:rowId xmlns="" xmlns:a16="http://schemas.microsoft.com/office/drawing/2014/main" val="10003"/>
+                    <a16:rowId xmlns:a16="http://schemas.microsoft.com/office/drawing/2014/main" xmlns="" val="10003"/>
                   </a:ext>
                 </a:extLst>
               </a:tr>
@@ -21196,7 +21215,7 @@
                 </a:tc>
                 <a:extLst>
                   <a:ext uri="{0D108BD9-81ED-4DB2-BD59-A6C34878D82A}">
-                    <a16:rowId xmlns="" xmlns:a16="http://schemas.microsoft.com/office/drawing/2014/main" val="10004"/>
+                    <a16:rowId xmlns:a16="http://schemas.microsoft.com/office/drawing/2014/main" xmlns="" val="10004"/>
                   </a:ext>
                 </a:extLst>
               </a:tr>
@@ -21302,7 +21321,7 @@
                 </a:tc>
                 <a:extLst>
                   <a:ext uri="{0D108BD9-81ED-4DB2-BD59-A6C34878D82A}">
-                    <a16:rowId xmlns="" xmlns:a16="http://schemas.microsoft.com/office/drawing/2014/main" val="10005"/>
+                    <a16:rowId xmlns:a16="http://schemas.microsoft.com/office/drawing/2014/main" xmlns="" val="10005"/>
                   </a:ext>
                 </a:extLst>
               </a:tr>
@@ -21428,7 +21447,7 @@
                 </a:tc>
                 <a:extLst>
                   <a:ext uri="{0D108BD9-81ED-4DB2-BD59-A6C34878D82A}">
-                    <a16:rowId xmlns="" xmlns:a16="http://schemas.microsoft.com/office/drawing/2014/main" val="10006"/>
+                    <a16:rowId xmlns:a16="http://schemas.microsoft.com/office/drawing/2014/main" xmlns="" val="10006"/>
                   </a:ext>
                 </a:extLst>
               </a:tr>
@@ -21534,7 +21553,7 @@
                 </a:tc>
                 <a:extLst>
                   <a:ext uri="{0D108BD9-81ED-4DB2-BD59-A6C34878D82A}">
-                    <a16:rowId xmlns="" xmlns:a16="http://schemas.microsoft.com/office/drawing/2014/main" val="10007"/>
+                    <a16:rowId xmlns:a16="http://schemas.microsoft.com/office/drawing/2014/main" xmlns="" val="10007"/>
                   </a:ext>
                 </a:extLst>
               </a:tr>
@@ -21640,7 +21659,7 @@
                 </a:tc>
                 <a:extLst>
                   <a:ext uri="{0D108BD9-81ED-4DB2-BD59-A6C34878D82A}">
-                    <a16:rowId xmlns="" xmlns:a16="http://schemas.microsoft.com/office/drawing/2014/main" val="10008"/>
+                    <a16:rowId xmlns:a16="http://schemas.microsoft.com/office/drawing/2014/main" xmlns="" val="10008"/>
                   </a:ext>
                 </a:extLst>
               </a:tr>
@@ -21746,7 +21765,7 @@
                 </a:tc>
                 <a:extLst>
                   <a:ext uri="{0D108BD9-81ED-4DB2-BD59-A6C34878D82A}">
-                    <a16:rowId xmlns="" xmlns:a16="http://schemas.microsoft.com/office/drawing/2014/main" val="10009"/>
+                    <a16:rowId xmlns:a16="http://schemas.microsoft.com/office/drawing/2014/main" xmlns="" val="10009"/>
                   </a:ext>
                 </a:extLst>
               </a:tr>
@@ -21844,21 +21863,21 @@
                 <a:gridCol w="734289">
                   <a:extLst>
                     <a:ext uri="{9D8B030D-6E8A-4147-A177-3AD203B41FA5}">
-                      <a16:colId xmlns="" xmlns:a16="http://schemas.microsoft.com/office/drawing/2014/main" val="20000"/>
+                      <a16:colId xmlns:a16="http://schemas.microsoft.com/office/drawing/2014/main" xmlns="" val="20000"/>
                     </a:ext>
                   </a:extLst>
                 </a:gridCol>
                 <a:gridCol w="6106691">
                   <a:extLst>
                     <a:ext uri="{9D8B030D-6E8A-4147-A177-3AD203B41FA5}">
-                      <a16:colId xmlns="" xmlns:a16="http://schemas.microsoft.com/office/drawing/2014/main" val="20001"/>
+                      <a16:colId xmlns:a16="http://schemas.microsoft.com/office/drawing/2014/main" xmlns="" val="20001"/>
                     </a:ext>
                   </a:extLst>
                 </a:gridCol>
                 <a:gridCol w="1312420">
                   <a:extLst>
                     <a:ext uri="{9D8B030D-6E8A-4147-A177-3AD203B41FA5}">
-                      <a16:colId xmlns="" xmlns:a16="http://schemas.microsoft.com/office/drawing/2014/main" val="20002"/>
+                      <a16:colId xmlns:a16="http://schemas.microsoft.com/office/drawing/2014/main" xmlns="" val="20002"/>
                     </a:ext>
                   </a:extLst>
                 </a:gridCol>
@@ -21945,7 +21964,7 @@
                 </a:tc>
                 <a:extLst>
                   <a:ext uri="{0D108BD9-81ED-4DB2-BD59-A6C34878D82A}">
-                    <a16:rowId xmlns="" xmlns:a16="http://schemas.microsoft.com/office/drawing/2014/main" val="10000"/>
+                    <a16:rowId xmlns:a16="http://schemas.microsoft.com/office/drawing/2014/main" xmlns="" val="10000"/>
                   </a:ext>
                 </a:extLst>
               </a:tr>
@@ -22051,7 +22070,7 @@
                 </a:tc>
                 <a:extLst>
                   <a:ext uri="{0D108BD9-81ED-4DB2-BD59-A6C34878D82A}">
-                    <a16:rowId xmlns="" xmlns:a16="http://schemas.microsoft.com/office/drawing/2014/main" val="10001"/>
+                    <a16:rowId xmlns:a16="http://schemas.microsoft.com/office/drawing/2014/main" xmlns="" val="10001"/>
                   </a:ext>
                 </a:extLst>
               </a:tr>
@@ -22157,7 +22176,7 @@
                 </a:tc>
                 <a:extLst>
                   <a:ext uri="{0D108BD9-81ED-4DB2-BD59-A6C34878D82A}">
-                    <a16:rowId xmlns="" xmlns:a16="http://schemas.microsoft.com/office/drawing/2014/main" val="10002"/>
+                    <a16:rowId xmlns:a16="http://schemas.microsoft.com/office/drawing/2014/main" xmlns="" val="10002"/>
                   </a:ext>
                 </a:extLst>
               </a:tr>
@@ -22263,7 +22282,7 @@
                 </a:tc>
                 <a:extLst>
                   <a:ext uri="{0D108BD9-81ED-4DB2-BD59-A6C34878D82A}">
-                    <a16:rowId xmlns="" xmlns:a16="http://schemas.microsoft.com/office/drawing/2014/main" val="10003"/>
+                    <a16:rowId xmlns:a16="http://schemas.microsoft.com/office/drawing/2014/main" xmlns="" val="10003"/>
                   </a:ext>
                 </a:extLst>
               </a:tr>
@@ -22369,7 +22388,7 @@
                 </a:tc>
                 <a:extLst>
                   <a:ext uri="{0D108BD9-81ED-4DB2-BD59-A6C34878D82A}">
-                    <a16:rowId xmlns="" xmlns:a16="http://schemas.microsoft.com/office/drawing/2014/main" val="10004"/>
+                    <a16:rowId xmlns:a16="http://schemas.microsoft.com/office/drawing/2014/main" xmlns="" val="10004"/>
                   </a:ext>
                 </a:extLst>
               </a:tr>
@@ -22475,7 +22494,7 @@
                 </a:tc>
                 <a:extLst>
                   <a:ext uri="{0D108BD9-81ED-4DB2-BD59-A6C34878D82A}">
-                    <a16:rowId xmlns="" xmlns:a16="http://schemas.microsoft.com/office/drawing/2014/main" val="10005"/>
+                    <a16:rowId xmlns:a16="http://schemas.microsoft.com/office/drawing/2014/main" xmlns="" val="10005"/>
                   </a:ext>
                 </a:extLst>
               </a:tr>
@@ -22581,7 +22600,7 @@
                 </a:tc>
                 <a:extLst>
                   <a:ext uri="{0D108BD9-81ED-4DB2-BD59-A6C34878D82A}">
-                    <a16:rowId xmlns="" xmlns:a16="http://schemas.microsoft.com/office/drawing/2014/main" val="10006"/>
+                    <a16:rowId xmlns:a16="http://schemas.microsoft.com/office/drawing/2014/main" xmlns="" val="10006"/>
                   </a:ext>
                 </a:extLst>
               </a:tr>
@@ -22687,7 +22706,7 @@
                 </a:tc>
                 <a:extLst>
                   <a:ext uri="{0D108BD9-81ED-4DB2-BD59-A6C34878D82A}">
-                    <a16:rowId xmlns="" xmlns:a16="http://schemas.microsoft.com/office/drawing/2014/main" val="10007"/>
+                    <a16:rowId xmlns:a16="http://schemas.microsoft.com/office/drawing/2014/main" xmlns="" val="10007"/>
                   </a:ext>
                 </a:extLst>
               </a:tr>
@@ -22793,7 +22812,7 @@
                 </a:tc>
                 <a:extLst>
                   <a:ext uri="{0D108BD9-81ED-4DB2-BD59-A6C34878D82A}">
-                    <a16:rowId xmlns="" xmlns:a16="http://schemas.microsoft.com/office/drawing/2014/main" val="10008"/>
+                    <a16:rowId xmlns:a16="http://schemas.microsoft.com/office/drawing/2014/main" xmlns="" val="10008"/>
                   </a:ext>
                 </a:extLst>
               </a:tr>
@@ -22899,7 +22918,7 @@
                 </a:tc>
                 <a:extLst>
                   <a:ext uri="{0D108BD9-81ED-4DB2-BD59-A6C34878D82A}">
-                    <a16:rowId xmlns="" xmlns:a16="http://schemas.microsoft.com/office/drawing/2014/main" val="10009"/>
+                    <a16:rowId xmlns:a16="http://schemas.microsoft.com/office/drawing/2014/main" xmlns="" val="10009"/>
                   </a:ext>
                 </a:extLst>
               </a:tr>
@@ -22997,21 +23016,21 @@
                 <a:gridCol w="682982">
                   <a:extLst>
                     <a:ext uri="{9D8B030D-6E8A-4147-A177-3AD203B41FA5}">
-                      <a16:colId xmlns="" xmlns:a16="http://schemas.microsoft.com/office/drawing/2014/main" val="20000"/>
+                      <a16:colId xmlns:a16="http://schemas.microsoft.com/office/drawing/2014/main" xmlns="" val="20000"/>
                     </a:ext>
                   </a:extLst>
                 </a:gridCol>
                 <a:gridCol w="6825230">
                   <a:extLst>
                     <a:ext uri="{9D8B030D-6E8A-4147-A177-3AD203B41FA5}">
-                      <a16:colId xmlns="" xmlns:a16="http://schemas.microsoft.com/office/drawing/2014/main" val="20001"/>
+                      <a16:colId xmlns:a16="http://schemas.microsoft.com/office/drawing/2014/main" xmlns="" val="20001"/>
                     </a:ext>
                   </a:extLst>
                 </a:gridCol>
                 <a:gridCol w="910885">
                   <a:extLst>
                     <a:ext uri="{9D8B030D-6E8A-4147-A177-3AD203B41FA5}">
-                      <a16:colId xmlns="" xmlns:a16="http://schemas.microsoft.com/office/drawing/2014/main" val="20002"/>
+                      <a16:colId xmlns:a16="http://schemas.microsoft.com/office/drawing/2014/main" xmlns="" val="20002"/>
                     </a:ext>
                   </a:extLst>
                 </a:gridCol>
@@ -23099,7 +23118,7 @@
                 </a:tc>
                 <a:extLst>
                   <a:ext uri="{0D108BD9-81ED-4DB2-BD59-A6C34878D82A}">
-                    <a16:rowId xmlns="" xmlns:a16="http://schemas.microsoft.com/office/drawing/2014/main" val="10000"/>
+                    <a16:rowId xmlns:a16="http://schemas.microsoft.com/office/drawing/2014/main" xmlns="" val="10000"/>
                   </a:ext>
                 </a:extLst>
               </a:tr>
@@ -23205,7 +23224,7 @@
                 </a:tc>
                 <a:extLst>
                   <a:ext uri="{0D108BD9-81ED-4DB2-BD59-A6C34878D82A}">
-                    <a16:rowId xmlns="" xmlns:a16="http://schemas.microsoft.com/office/drawing/2014/main" val="10001"/>
+                    <a16:rowId xmlns:a16="http://schemas.microsoft.com/office/drawing/2014/main" xmlns="" val="10001"/>
                   </a:ext>
                 </a:extLst>
               </a:tr>
@@ -23311,7 +23330,7 @@
                 </a:tc>
                 <a:extLst>
                   <a:ext uri="{0D108BD9-81ED-4DB2-BD59-A6C34878D82A}">
-                    <a16:rowId xmlns="" xmlns:a16="http://schemas.microsoft.com/office/drawing/2014/main" val="10002"/>
+                    <a16:rowId xmlns:a16="http://schemas.microsoft.com/office/drawing/2014/main" xmlns="" val="10002"/>
                   </a:ext>
                 </a:extLst>
               </a:tr>
@@ -23417,7 +23436,7 @@
                 </a:tc>
                 <a:extLst>
                   <a:ext uri="{0D108BD9-81ED-4DB2-BD59-A6C34878D82A}">
-                    <a16:rowId xmlns="" xmlns:a16="http://schemas.microsoft.com/office/drawing/2014/main" val="10003"/>
+                    <a16:rowId xmlns:a16="http://schemas.microsoft.com/office/drawing/2014/main" xmlns="" val="10003"/>
                   </a:ext>
                 </a:extLst>
               </a:tr>
@@ -23523,7 +23542,7 @@
                 </a:tc>
                 <a:extLst>
                   <a:ext uri="{0D108BD9-81ED-4DB2-BD59-A6C34878D82A}">
-                    <a16:rowId xmlns="" xmlns:a16="http://schemas.microsoft.com/office/drawing/2014/main" val="10004"/>
+                    <a16:rowId xmlns:a16="http://schemas.microsoft.com/office/drawing/2014/main" xmlns="" val="10004"/>
                   </a:ext>
                 </a:extLst>
               </a:tr>
@@ -23629,7 +23648,7 @@
                 </a:tc>
                 <a:extLst>
                   <a:ext uri="{0D108BD9-81ED-4DB2-BD59-A6C34878D82A}">
-                    <a16:rowId xmlns="" xmlns:a16="http://schemas.microsoft.com/office/drawing/2014/main" val="10005"/>
+                    <a16:rowId xmlns:a16="http://schemas.microsoft.com/office/drawing/2014/main" xmlns="" val="10005"/>
                   </a:ext>
                 </a:extLst>
               </a:tr>
@@ -23735,7 +23754,7 @@
                 </a:tc>
                 <a:extLst>
                   <a:ext uri="{0D108BD9-81ED-4DB2-BD59-A6C34878D82A}">
-                    <a16:rowId xmlns="" xmlns:a16="http://schemas.microsoft.com/office/drawing/2014/main" val="10006"/>
+                    <a16:rowId xmlns:a16="http://schemas.microsoft.com/office/drawing/2014/main" xmlns="" val="10006"/>
                   </a:ext>
                 </a:extLst>
               </a:tr>
@@ -23841,7 +23860,7 @@
                 </a:tc>
                 <a:extLst>
                   <a:ext uri="{0D108BD9-81ED-4DB2-BD59-A6C34878D82A}">
-                    <a16:rowId xmlns="" xmlns:a16="http://schemas.microsoft.com/office/drawing/2014/main" val="10007"/>
+                    <a16:rowId xmlns:a16="http://schemas.microsoft.com/office/drawing/2014/main" xmlns="" val="10007"/>
                   </a:ext>
                 </a:extLst>
               </a:tr>
@@ -23947,7 +23966,7 @@
                 </a:tc>
                 <a:extLst>
                   <a:ext uri="{0D108BD9-81ED-4DB2-BD59-A6C34878D82A}">
-                    <a16:rowId xmlns="" xmlns:a16="http://schemas.microsoft.com/office/drawing/2014/main" val="10008"/>
+                    <a16:rowId xmlns:a16="http://schemas.microsoft.com/office/drawing/2014/main" xmlns="" val="10008"/>
                   </a:ext>
                 </a:extLst>
               </a:tr>
@@ -24053,7 +24072,7 @@
                 </a:tc>
                 <a:extLst>
                   <a:ext uri="{0D108BD9-81ED-4DB2-BD59-A6C34878D82A}">
-                    <a16:rowId xmlns="" xmlns:a16="http://schemas.microsoft.com/office/drawing/2014/main" val="10009"/>
+                    <a16:rowId xmlns:a16="http://schemas.microsoft.com/office/drawing/2014/main" xmlns="" val="10009"/>
                   </a:ext>
                 </a:extLst>
               </a:tr>
@@ -24645,7 +24664,7 @@
   <a:extraClrSchemeLst/>
   <a:extLst>
     <a:ext uri="{05A4C25C-085E-4340-85A3-A5531E510DB2}">
-      <thm15:themeFamily xmlns="" xmlns:thm15="http://schemas.microsoft.com/office/thememl/2012/main" name="Office Theme" id="{62F939B6-93AF-4DB8-9C6B-D6C7DFDC589F}" vid="{4A3C46E8-61CC-4603-A589-7422A47A8E4A}"/>
+      <thm15:themeFamily xmlns:thm15="http://schemas.microsoft.com/office/thememl/2012/main" xmlns="" name="Office Theme" id="{62F939B6-93AF-4DB8-9C6B-D6C7DFDC589F}" vid="{4A3C46E8-61CC-4603-A589-7422A47A8E4A}"/>
     </a:ext>
   </a:extLst>
 </a:theme>
